--- a/IBM Case Study.pptx
+++ b/IBM Case Study.pptx
@@ -17127,7 +17127,7 @@
                 <a:cs typeface="Open Sans"/>
                 <a:sym typeface="Open Sans"/>
               </a:rPr>
-              <a:t>Services, Software, Hardware, Financing. It is the leader in the Global IT services.</a:t>
+              <a:t>Services, Software, Hardware, Financing. It focuses mainly into the cloud and data presently.</a:t>
             </a:r>
             <a:endParaRPr sz="1800">
               <a:latin typeface="Open Sans"/>
@@ -21325,7 +21325,7 @@
                 <a:cs typeface="Open Sans"/>
                 <a:sym typeface="Open Sans"/>
               </a:rPr>
-              <a:t>Julius E. Pitrap patented the computing scale in 1885. Alexander Dey invented the dial recorder in 1888. Herman Hollerith patented the Electric Tabulating Machine. Willard Bundy invented a time clock to record a worker's arrival and departure time on a paper tape in 1889. On June 16, 1911, their four companies were combined in New York State by Charles Ranlett Flint forming a fifth company, the Computing Tabulating Recording Company (CTR) based in Endicott, New York.</a:t>
+              <a:t>Julius E. Pitrap patented the computing scale in 1885. Alexander Dey invented the dial recorder in 1888. Herman Hollerith patented the Electric Tabulating Machine. Willard Bundy invented a time clock to record a worker's arrival and departure time on a paper tape in 1889. On June 16, 1911, these three companies were combined in New York State by Charles Ranlett Flint forming a company, the Computing Tabulating Recording Company (CTR) based in Endicott, New York.</a:t>
             </a:r>
             <a:endParaRPr sz="1800">
               <a:latin typeface="Open Sans"/>
@@ -22273,8 +22273,8 @@
         </p:nvSpPr>
         <p:spPr>
           <a:xfrm>
-            <a:off x="376825" y="2032732"/>
-            <a:ext cx="8229300" cy="4339800"/>
+            <a:off x="376825" y="2032725"/>
+            <a:ext cx="7534800" cy="4455000"/>
           </a:xfrm>
           <a:prstGeom prst="rect">
             <a:avLst/>
@@ -22290,7 +22290,7 @@
           </a:bodyPr>
           <a:lstStyle/>
           <a:p>
-            <a:pPr indent="-381000" lvl="0" marL="457200" rtl="0" algn="l">
+            <a:pPr indent="-342900" lvl="0" marL="457200" rtl="0" algn="l">
               <a:spcBef>
                 <a:spcPts val="0"/>
               </a:spcBef>
@@ -22300,21 +22300,30 @@
               <a:buClr>
                 <a:schemeClr val="dk1"/>
               </a:buClr>
-              <a:buSzPts val="2400"/>
-              <a:buChar char="●"/>
+              <a:buSzPts val="1800"/>
+              <a:buFont typeface="Open Sans"/>
+              <a:buChar char="❏"/>
             </a:pPr>
             <a:r>
-              <a:rPr lang="en-IN" sz="2400">
+              <a:rPr lang="en-IN">
                 <a:solidFill>
                   <a:schemeClr val="dk1"/>
                 </a:solidFill>
+                <a:latin typeface="Open Sans"/>
+                <a:ea typeface="Open Sans"/>
+                <a:cs typeface="Open Sans"/>
+                <a:sym typeface="Open Sans"/>
               </a:rPr>
               <a:t>IBM became a follower of technology instead of a leader.</a:t>
             </a:r>
-            <a:endParaRPr sz="2400">
+            <a:endParaRPr>
               <a:solidFill>
                 <a:schemeClr val="dk1"/>
               </a:solidFill>
+              <a:latin typeface="Open Sans"/>
+              <a:ea typeface="Open Sans"/>
+              <a:cs typeface="Open Sans"/>
+              <a:sym typeface="Open Sans"/>
             </a:endParaRPr>
           </a:p>
           <a:p>
@@ -22325,48 +22334,56 @@
               <a:spcAft>
                 <a:spcPts val="0"/>
               </a:spcAft>
+              <a:buNone/>
+            </a:pPr>
+            <a:r>
+              <a:t/>
+            </a:r>
+            <a:endParaRPr>
+              <a:solidFill>
+                <a:schemeClr val="dk1"/>
+              </a:solidFill>
+              <a:latin typeface="Open Sans"/>
+              <a:ea typeface="Open Sans"/>
+              <a:cs typeface="Open Sans"/>
+              <a:sym typeface="Open Sans"/>
+            </a:endParaRPr>
+          </a:p>
+          <a:p>
+            <a:pPr indent="-342900" lvl="0" marL="457200" rtl="0" algn="l">
+              <a:spcBef>
+                <a:spcPts val="0"/>
+              </a:spcBef>
+              <a:spcAft>
+                <a:spcPts val="0"/>
+              </a:spcAft>
               <a:buClr>
                 <a:schemeClr val="dk1"/>
               </a:buClr>
-              <a:buSzPts val="1100"/>
-              <a:buFont typeface="Arial"/>
-              <a:buNone/>
+              <a:buSzPts val="1800"/>
+              <a:buFont typeface="Open Sans"/>
+              <a:buChar char="❏"/>
             </a:pPr>
             <a:r>
-              <a:t/>
-            </a:r>
-            <a:endParaRPr sz="2400">
+              <a:rPr lang="en-IN">
+                <a:solidFill>
+                  <a:schemeClr val="dk1"/>
+                </a:solidFill>
+                <a:latin typeface="Open Sans"/>
+                <a:ea typeface="Open Sans"/>
+                <a:cs typeface="Open Sans"/>
+                <a:sym typeface="Open Sans"/>
+              </a:rPr>
+              <a:t>Bad partnering strategies which led competitors to take over the market.</a:t>
+            </a:r>
+            <a:endParaRPr>
               <a:solidFill>
                 <a:schemeClr val="dk1"/>
               </a:solidFill>
-            </a:endParaRPr>
-          </a:p>
-          <a:p>
-            <a:pPr indent="-381000" lvl="0" marL="457200" rtl="0" algn="l">
-              <a:spcBef>
-                <a:spcPts val="0"/>
-              </a:spcBef>
-              <a:spcAft>
-                <a:spcPts val="0"/>
-              </a:spcAft>
-              <a:buClr>
-                <a:schemeClr val="dk1"/>
-              </a:buClr>
-              <a:buSzPts val="2400"/>
-              <a:buChar char="●"/>
-            </a:pPr>
-            <a:r>
-              <a:rPr lang="en-IN" sz="2400">
-                <a:solidFill>
-                  <a:schemeClr val="dk1"/>
-                </a:solidFill>
-              </a:rPr>
-              <a:t>Bad partnering strategies which led competitors to take over the market.</a:t>
-            </a:r>
-            <a:endParaRPr sz="2400">
-              <a:solidFill>
-                <a:schemeClr val="dk1"/>
-              </a:solidFill>
+              <a:latin typeface="Open Sans"/>
+              <a:ea typeface="Open Sans"/>
+              <a:cs typeface="Open Sans"/>
+              <a:sym typeface="Open Sans"/>
             </a:endParaRPr>
           </a:p>
           <a:p>
@@ -22377,41 +22394,45 @@
               <a:spcAft>
                 <a:spcPts val="0"/>
               </a:spcAft>
+              <a:buNone/>
+            </a:pPr>
+            <a:r>
+              <a:t/>
+            </a:r>
+            <a:endParaRPr>
+              <a:solidFill>
+                <a:schemeClr val="dk1"/>
+              </a:solidFill>
+              <a:latin typeface="Open Sans"/>
+              <a:ea typeface="Open Sans"/>
+              <a:cs typeface="Open Sans"/>
+              <a:sym typeface="Open Sans"/>
+            </a:endParaRPr>
+          </a:p>
+          <a:p>
+            <a:pPr indent="-342900" lvl="0" marL="457200" rtl="0" algn="l">
+              <a:spcBef>
+                <a:spcPts val="0"/>
+              </a:spcBef>
+              <a:spcAft>
+                <a:spcPts val="0"/>
+              </a:spcAft>
               <a:buClr>
                 <a:schemeClr val="dk1"/>
               </a:buClr>
-              <a:buSzPts val="1100"/>
-              <a:buFont typeface="Arial"/>
-              <a:buNone/>
+              <a:buSzPts val="1800"/>
+              <a:buFont typeface="Open Sans"/>
+              <a:buChar char="❏"/>
             </a:pPr>
             <a:r>
-              <a:t/>
-            </a:r>
-            <a:endParaRPr sz="2400">
-              <a:solidFill>
-                <a:schemeClr val="dk1"/>
-              </a:solidFill>
-            </a:endParaRPr>
-          </a:p>
-          <a:p>
-            <a:pPr indent="-381000" lvl="0" marL="457200" rtl="0" algn="l">
-              <a:spcBef>
-                <a:spcPts val="0"/>
-              </a:spcBef>
-              <a:spcAft>
-                <a:spcPts val="0"/>
-              </a:spcAft>
-              <a:buClr>
-                <a:schemeClr val="dk1"/>
-              </a:buClr>
-              <a:buSzPts val="2400"/>
-              <a:buChar char="●"/>
-            </a:pPr>
-            <a:r>
-              <a:rPr lang="en-IN" sz="2400">
+              <a:rPr lang="en-IN">
                 <a:solidFill>
                   <a:schemeClr val="dk1"/>
                 </a:solidFill>
+                <a:latin typeface="Open Sans"/>
+                <a:ea typeface="Open Sans"/>
+                <a:cs typeface="Open Sans"/>
+                <a:sym typeface="Open Sans"/>
               </a:rPr>
               <a:t>Breaking contracts with customers and employees.</a:t>
             </a:r>
@@ -22568,7 +22589,7 @@
           </a:bodyPr>
           <a:lstStyle/>
           <a:p>
-            <a:pPr indent="-381000" lvl="0" marL="457200" rtl="0" algn="l">
+            <a:pPr indent="-317500" lvl="0" marL="457200" rtl="0" algn="l">
               <a:spcBef>
                 <a:spcPts val="0"/>
               </a:spcBef>
@@ -22578,25 +22599,34 @@
               <a:buClr>
                 <a:schemeClr val="dk1"/>
               </a:buClr>
-              <a:buSzPts val="2400"/>
-              <a:buChar char="●"/>
+              <a:buSzPts val="1400"/>
+              <a:buFont typeface="Open Sans"/>
+              <a:buChar char="❏"/>
             </a:pPr>
             <a:r>
-              <a:rPr lang="en-IN" sz="2400">
+              <a:rPr lang="en-IN">
                 <a:solidFill>
                   <a:schemeClr val="dk1"/>
                 </a:solidFill>
+                <a:latin typeface="Open Sans"/>
+                <a:ea typeface="Open Sans"/>
+                <a:cs typeface="Open Sans"/>
+                <a:sym typeface="Open Sans"/>
               </a:rPr>
               <a:t>Focus more on the customer needs.</a:t>
             </a:r>
-            <a:endParaRPr sz="2400">
+            <a:endParaRPr>
               <a:solidFill>
                 <a:schemeClr val="dk1"/>
               </a:solidFill>
+              <a:latin typeface="Open Sans"/>
+              <a:ea typeface="Open Sans"/>
+              <a:cs typeface="Open Sans"/>
+              <a:sym typeface="Open Sans"/>
             </a:endParaRPr>
           </a:p>
           <a:p>
-            <a:pPr indent="0" lvl="0" marL="0" rtl="0" algn="l">
+            <a:pPr indent="0" lvl="0" marL="457200" rtl="0" algn="l">
               <a:spcBef>
                 <a:spcPts val="0"/>
               </a:spcBef>
@@ -22608,14 +22638,18 @@
             <a:r>
               <a:t/>
             </a:r>
-            <a:endParaRPr sz="2400">
+            <a:endParaRPr>
               <a:solidFill>
                 <a:schemeClr val="dk1"/>
               </a:solidFill>
+              <a:latin typeface="Open Sans"/>
+              <a:ea typeface="Open Sans"/>
+              <a:cs typeface="Open Sans"/>
+              <a:sym typeface="Open Sans"/>
             </a:endParaRPr>
           </a:p>
           <a:p>
-            <a:pPr indent="-381000" lvl="0" marL="457200" rtl="0" algn="l">
+            <a:pPr indent="-317500" lvl="0" marL="457200" rtl="0" algn="l">
               <a:spcBef>
                 <a:spcPts val="0"/>
               </a:spcBef>
@@ -22625,25 +22659,34 @@
               <a:buClr>
                 <a:schemeClr val="dk1"/>
               </a:buClr>
-              <a:buSzPts val="2400"/>
-              <a:buChar char="●"/>
+              <a:buSzPts val="1400"/>
+              <a:buFont typeface="Open Sans"/>
+              <a:buChar char="❏"/>
             </a:pPr>
             <a:r>
-              <a:rPr lang="en-IN" sz="2400">
+              <a:rPr lang="en-IN">
                 <a:solidFill>
                   <a:schemeClr val="dk1"/>
                 </a:solidFill>
+                <a:latin typeface="Open Sans"/>
+                <a:ea typeface="Open Sans"/>
+                <a:cs typeface="Open Sans"/>
+                <a:sym typeface="Open Sans"/>
               </a:rPr>
               <a:t>Poor performers must be removed from the company.</a:t>
             </a:r>
-            <a:endParaRPr sz="2400">
+            <a:endParaRPr>
               <a:solidFill>
                 <a:schemeClr val="dk1"/>
               </a:solidFill>
+              <a:latin typeface="Open Sans"/>
+              <a:ea typeface="Open Sans"/>
+              <a:cs typeface="Open Sans"/>
+              <a:sym typeface="Open Sans"/>
             </a:endParaRPr>
           </a:p>
           <a:p>
-            <a:pPr indent="0" lvl="0" marL="0" rtl="0" algn="l">
+            <a:pPr indent="0" lvl="0" marL="457200" rtl="0" algn="l">
               <a:spcBef>
                 <a:spcPts val="0"/>
               </a:spcBef>
@@ -22655,14 +22698,18 @@
             <a:r>
               <a:t/>
             </a:r>
-            <a:endParaRPr sz="2400">
+            <a:endParaRPr>
               <a:solidFill>
                 <a:schemeClr val="dk1"/>
               </a:solidFill>
+              <a:latin typeface="Open Sans"/>
+              <a:ea typeface="Open Sans"/>
+              <a:cs typeface="Open Sans"/>
+              <a:sym typeface="Open Sans"/>
             </a:endParaRPr>
           </a:p>
           <a:p>
-            <a:pPr indent="-381000" lvl="0" marL="457200" rtl="0" algn="l">
+            <a:pPr indent="-317500" lvl="0" marL="457200" rtl="0" algn="l">
               <a:spcBef>
                 <a:spcPts val="0"/>
               </a:spcBef>
@@ -22672,25 +22719,34 @@
               <a:buClr>
                 <a:schemeClr val="dk1"/>
               </a:buClr>
-              <a:buSzPts val="2400"/>
-              <a:buChar char="●"/>
+              <a:buSzPts val="1400"/>
+              <a:buFont typeface="Open Sans"/>
+              <a:buChar char="❏"/>
             </a:pPr>
             <a:r>
-              <a:rPr lang="en-IN" sz="2400">
+              <a:rPr lang="en-IN">
                 <a:solidFill>
                   <a:schemeClr val="dk1"/>
                 </a:solidFill>
+                <a:latin typeface="Open Sans"/>
+                <a:ea typeface="Open Sans"/>
+                <a:cs typeface="Open Sans"/>
+                <a:sym typeface="Open Sans"/>
               </a:rPr>
               <a:t>Build healthy customer relationship by meeting customer expectation.</a:t>
             </a:r>
-            <a:endParaRPr sz="2400">
+            <a:endParaRPr>
               <a:solidFill>
                 <a:schemeClr val="dk1"/>
               </a:solidFill>
+              <a:latin typeface="Open Sans"/>
+              <a:ea typeface="Open Sans"/>
+              <a:cs typeface="Open Sans"/>
+              <a:sym typeface="Open Sans"/>
             </a:endParaRPr>
           </a:p>
           <a:p>
-            <a:pPr indent="0" lvl="0" marL="0" rtl="0" algn="l">
+            <a:pPr indent="0" lvl="0" marL="457200" rtl="0" algn="l">
               <a:spcBef>
                 <a:spcPts val="0"/>
               </a:spcBef>
@@ -22702,14 +22758,18 @@
             <a:r>
               <a:t/>
             </a:r>
-            <a:endParaRPr sz="2400">
+            <a:endParaRPr>
               <a:solidFill>
                 <a:schemeClr val="dk1"/>
               </a:solidFill>
+              <a:latin typeface="Open Sans"/>
+              <a:ea typeface="Open Sans"/>
+              <a:cs typeface="Open Sans"/>
+              <a:sym typeface="Open Sans"/>
             </a:endParaRPr>
           </a:p>
           <a:p>
-            <a:pPr indent="-381000" lvl="0" marL="457200" rtl="0" algn="l">
+            <a:pPr indent="-317500" lvl="0" marL="457200" rtl="0" algn="l">
               <a:spcBef>
                 <a:spcPts val="0"/>
               </a:spcBef>
@@ -22719,25 +22779,34 @@
               <a:buClr>
                 <a:schemeClr val="dk1"/>
               </a:buClr>
-              <a:buSzPts val="2400"/>
-              <a:buChar char="●"/>
+              <a:buSzPts val="1400"/>
+              <a:buFont typeface="Open Sans"/>
+              <a:buChar char="❏"/>
             </a:pPr>
             <a:r>
-              <a:rPr lang="en-IN" sz="2400">
+              <a:rPr lang="en-IN">
                 <a:solidFill>
                   <a:schemeClr val="dk1"/>
                 </a:solidFill>
+                <a:latin typeface="Open Sans"/>
+                <a:ea typeface="Open Sans"/>
+                <a:cs typeface="Open Sans"/>
+                <a:sym typeface="Open Sans"/>
               </a:rPr>
               <a:t>Keeping up to date with new emerging technologies.</a:t>
             </a:r>
-            <a:endParaRPr sz="2400">
+            <a:endParaRPr>
               <a:solidFill>
                 <a:schemeClr val="dk1"/>
               </a:solidFill>
+              <a:latin typeface="Open Sans"/>
+              <a:ea typeface="Open Sans"/>
+              <a:cs typeface="Open Sans"/>
+              <a:sym typeface="Open Sans"/>
             </a:endParaRPr>
           </a:p>
           <a:p>
-            <a:pPr indent="0" lvl="0" marL="0" rtl="0" algn="l">
+            <a:pPr indent="0" lvl="0" marL="457200" rtl="0" algn="l">
               <a:spcBef>
                 <a:spcPts val="0"/>
               </a:spcBef>
@@ -22749,14 +22818,18 @@
             <a:r>
               <a:t/>
             </a:r>
-            <a:endParaRPr sz="2400">
+            <a:endParaRPr>
               <a:solidFill>
                 <a:schemeClr val="dk1"/>
               </a:solidFill>
+              <a:latin typeface="Open Sans"/>
+              <a:ea typeface="Open Sans"/>
+              <a:cs typeface="Open Sans"/>
+              <a:sym typeface="Open Sans"/>
             </a:endParaRPr>
           </a:p>
           <a:p>
-            <a:pPr indent="-381000" lvl="0" marL="457200" rtl="0" algn="l">
+            <a:pPr indent="-317500" lvl="0" marL="457200" rtl="0" algn="l">
               <a:spcBef>
                 <a:spcPts val="0"/>
               </a:spcBef>
@@ -22766,21 +22839,30 @@
               <a:buClr>
                 <a:schemeClr val="dk1"/>
               </a:buClr>
-              <a:buSzPts val="2400"/>
-              <a:buChar char="●"/>
+              <a:buSzPts val="1400"/>
+              <a:buFont typeface="Open Sans"/>
+              <a:buChar char="❏"/>
             </a:pPr>
             <a:r>
-              <a:rPr lang="en-IN" sz="2400">
+              <a:rPr lang="en-IN">
                 <a:solidFill>
                   <a:schemeClr val="dk1"/>
                 </a:solidFill>
+                <a:latin typeface="Open Sans"/>
+                <a:ea typeface="Open Sans"/>
+                <a:cs typeface="Open Sans"/>
+                <a:sym typeface="Open Sans"/>
               </a:rPr>
               <a:t>Well analysed business expansion strategy with a foolproof plan.</a:t>
             </a:r>
-            <a:endParaRPr sz="2400">
+            <a:endParaRPr>
               <a:solidFill>
                 <a:schemeClr val="dk1"/>
               </a:solidFill>
+              <a:latin typeface="Open Sans"/>
+              <a:ea typeface="Open Sans"/>
+              <a:cs typeface="Open Sans"/>
+              <a:sym typeface="Open Sans"/>
             </a:endParaRPr>
           </a:p>
         </p:txBody>
@@ -22926,7 +23008,7 @@
           </a:bodyPr>
           <a:lstStyle/>
           <a:p>
-            <a:pPr indent="-406400" lvl="0" marL="457200" rtl="0" algn="l">
+            <a:pPr indent="-342900" lvl="0" marL="457200" rtl="0" algn="l">
               <a:lnSpc>
                 <a:spcPct val="90000"/>
               </a:lnSpc>
@@ -22939,33 +23021,33 @@
               <a:buClr>
                 <a:schemeClr val="dk1"/>
               </a:buClr>
-              <a:buSzPts val="2800"/>
-              <a:buChar char="●"/>
+              <a:buSzPts val="1800"/>
+              <a:buChar char="❏"/>
             </a:pPr>
             <a:r>
-              <a:rPr lang="en-IN" sz="2800">
+              <a:rPr lang="en-IN">
                 <a:solidFill>
                   <a:schemeClr val="dk1"/>
                 </a:solidFill>
-                <a:latin typeface="Calibri"/>
-                <a:ea typeface="Calibri"/>
-                <a:cs typeface="Calibri"/>
-                <a:sym typeface="Calibri"/>
+                <a:latin typeface="Open Sans"/>
+                <a:ea typeface="Open Sans"/>
+                <a:cs typeface="Open Sans"/>
+                <a:sym typeface="Open Sans"/>
               </a:rPr>
               <a:t>The new CEO – Lous Gerstner, appointed in April of 1998.</a:t>
             </a:r>
-            <a:endParaRPr sz="2800">
+            <a:endParaRPr>
               <a:solidFill>
                 <a:schemeClr val="dk1"/>
               </a:solidFill>
-              <a:latin typeface="Calibri"/>
-              <a:ea typeface="Calibri"/>
-              <a:cs typeface="Calibri"/>
-              <a:sym typeface="Calibri"/>
+              <a:latin typeface="Open Sans"/>
+              <a:ea typeface="Open Sans"/>
+              <a:cs typeface="Open Sans"/>
+              <a:sym typeface="Open Sans"/>
             </a:endParaRPr>
           </a:p>
           <a:p>
-            <a:pPr indent="-406400" lvl="0" marL="457200" rtl="0" algn="l">
+            <a:pPr indent="-342900" lvl="0" marL="457200" rtl="0" algn="l">
               <a:lnSpc>
                 <a:spcPct val="90000"/>
               </a:lnSpc>
@@ -22978,33 +23060,34 @@
               <a:buClr>
                 <a:schemeClr val="dk1"/>
               </a:buClr>
-              <a:buSzPts val="2800"/>
-              <a:buChar char="●"/>
+              <a:buSzPts val="1800"/>
+              <a:buFont typeface="Open Sans"/>
+              <a:buChar char="❏"/>
             </a:pPr>
             <a:r>
-              <a:rPr lang="en-IN" sz="2800">
+              <a:rPr lang="en-IN">
                 <a:solidFill>
                   <a:schemeClr val="dk1"/>
                 </a:solidFill>
-                <a:latin typeface="Calibri"/>
-                <a:ea typeface="Calibri"/>
-                <a:cs typeface="Calibri"/>
-                <a:sym typeface="Calibri"/>
+                <a:latin typeface="Open Sans"/>
+                <a:ea typeface="Open Sans"/>
+                <a:cs typeface="Open Sans"/>
+                <a:sym typeface="Open Sans"/>
               </a:rPr>
               <a:t>Gerstner identified IBM unique competitive advantage.</a:t>
             </a:r>
-            <a:endParaRPr sz="2800">
+            <a:endParaRPr>
               <a:solidFill>
                 <a:schemeClr val="dk1"/>
               </a:solidFill>
-              <a:latin typeface="Calibri"/>
-              <a:ea typeface="Calibri"/>
-              <a:cs typeface="Calibri"/>
-              <a:sym typeface="Calibri"/>
+              <a:latin typeface="Open Sans"/>
+              <a:ea typeface="Open Sans"/>
+              <a:cs typeface="Open Sans"/>
+              <a:sym typeface="Open Sans"/>
             </a:endParaRPr>
           </a:p>
           <a:p>
-            <a:pPr indent="-406400" lvl="0" marL="457200" rtl="0" algn="l">
+            <a:pPr indent="-342900" lvl="0" marL="457200" rtl="0" algn="l">
               <a:lnSpc>
                 <a:spcPct val="90000"/>
               </a:lnSpc>
@@ -23017,29 +23100,150 @@
               <a:buClr>
                 <a:schemeClr val="dk1"/>
               </a:buClr>
-              <a:buSzPts val="2800"/>
-              <a:buChar char="●"/>
+              <a:buSzPts val="1800"/>
+              <a:buFont typeface="Open Sans"/>
+              <a:buChar char="❏"/>
             </a:pPr>
             <a:r>
-              <a:rPr lang="en-IN" sz="2800">
+              <a:rPr lang="en-IN">
                 <a:solidFill>
                   <a:schemeClr val="dk1"/>
                 </a:solidFill>
-                <a:latin typeface="Calibri"/>
-                <a:ea typeface="Calibri"/>
-                <a:cs typeface="Calibri"/>
-                <a:sym typeface="Calibri"/>
+                <a:latin typeface="Open Sans"/>
+                <a:ea typeface="Open Sans"/>
+                <a:cs typeface="Open Sans"/>
+                <a:sym typeface="Open Sans"/>
               </a:rPr>
               <a:t>The 4 major strategies employed by Gerstner:</a:t>
             </a:r>
-            <a:endParaRPr sz="2800">
+            <a:endParaRPr>
               <a:solidFill>
                 <a:schemeClr val="dk1"/>
               </a:solidFill>
-              <a:latin typeface="Calibri"/>
-              <a:ea typeface="Calibri"/>
-              <a:cs typeface="Calibri"/>
-              <a:sym typeface="Calibri"/>
+              <a:latin typeface="Open Sans"/>
+              <a:ea typeface="Open Sans"/>
+              <a:cs typeface="Open Sans"/>
+              <a:sym typeface="Open Sans"/>
+            </a:endParaRPr>
+          </a:p>
+          <a:p>
+            <a:pPr indent="-342900" lvl="1" marL="914400" rtl="0" algn="l">
+              <a:lnSpc>
+                <a:spcPct val="90000"/>
+              </a:lnSpc>
+              <a:spcBef>
+                <a:spcPts val="500"/>
+              </a:spcBef>
+              <a:spcAft>
+                <a:spcPts val="0"/>
+              </a:spcAft>
+              <a:buClr>
+                <a:schemeClr val="dk1"/>
+              </a:buClr>
+              <a:buSzPts val="1800"/>
+              <a:buFont typeface="Open Sans"/>
+              <a:buChar char="❏"/>
+            </a:pPr>
+            <a:r>
+              <a:rPr lang="en-IN">
+                <a:solidFill>
+                  <a:schemeClr val="dk1"/>
+                </a:solidFill>
+                <a:latin typeface="Open Sans"/>
+                <a:ea typeface="Open Sans"/>
+                <a:cs typeface="Open Sans"/>
+                <a:sym typeface="Open Sans"/>
+              </a:rPr>
+              <a:t>Keep the company together.</a:t>
+            </a:r>
+            <a:endParaRPr>
+              <a:solidFill>
+                <a:schemeClr val="dk1"/>
+              </a:solidFill>
+              <a:latin typeface="Open Sans"/>
+              <a:ea typeface="Open Sans"/>
+              <a:cs typeface="Open Sans"/>
+              <a:sym typeface="Open Sans"/>
+            </a:endParaRPr>
+          </a:p>
+          <a:p>
+            <a:pPr indent="-342900" lvl="1" marL="914400" rtl="0" algn="l">
+              <a:lnSpc>
+                <a:spcPct val="90000"/>
+              </a:lnSpc>
+              <a:spcBef>
+                <a:spcPts val="500"/>
+              </a:spcBef>
+              <a:spcAft>
+                <a:spcPts val="0"/>
+              </a:spcAft>
+              <a:buClr>
+                <a:schemeClr val="dk1"/>
+              </a:buClr>
+              <a:buSzPts val="1800"/>
+              <a:buFont typeface="Open Sans"/>
+              <a:buChar char="❏"/>
+            </a:pPr>
+            <a:r>
+              <a:rPr lang="en-IN">
+                <a:solidFill>
+                  <a:schemeClr val="dk1"/>
+                </a:solidFill>
+                <a:latin typeface="Open Sans"/>
+                <a:ea typeface="Open Sans"/>
+                <a:cs typeface="Open Sans"/>
+                <a:sym typeface="Open Sans"/>
+              </a:rPr>
+              <a:t>Change the fundamental economic model.</a:t>
+            </a:r>
+            <a:endParaRPr>
+              <a:solidFill>
+                <a:schemeClr val="dk1"/>
+              </a:solidFill>
+              <a:latin typeface="Open Sans"/>
+              <a:ea typeface="Open Sans"/>
+              <a:cs typeface="Open Sans"/>
+              <a:sym typeface="Open Sans"/>
+            </a:endParaRPr>
+          </a:p>
+          <a:p>
+            <a:pPr indent="-342900" lvl="1" marL="914400" rtl="0" algn="l">
+              <a:lnSpc>
+                <a:spcPct val="90000"/>
+              </a:lnSpc>
+              <a:spcBef>
+                <a:spcPts val="500"/>
+              </a:spcBef>
+              <a:spcAft>
+                <a:spcPts val="0"/>
+              </a:spcAft>
+              <a:buClr>
+                <a:schemeClr val="dk1"/>
+              </a:buClr>
+              <a:buSzPts val="1800"/>
+              <a:buFont typeface="Open Sans"/>
+              <a:buChar char="❏"/>
+            </a:pPr>
+            <a:r>
+              <a:rPr lang="en-IN">
+                <a:solidFill>
+                  <a:schemeClr val="dk1"/>
+                </a:solidFill>
+                <a:latin typeface="Open Sans"/>
+                <a:ea typeface="Open Sans"/>
+                <a:cs typeface="Open Sans"/>
+                <a:sym typeface="Open Sans"/>
+              </a:rPr>
+              <a:t>Re-engineer how was done.</a:t>
+            </a:r>
+            <a:endParaRPr>
+              <a:solidFill>
+                <a:schemeClr val="dk1"/>
+              </a:solidFill>
+              <a:latin typeface="Open Sans"/>
+              <a:ea typeface="Open Sans"/>
+              <a:cs typeface="Open Sans"/>
+              <a:sym typeface="Open Sans"/>
             </a:endParaRPr>
           </a:p>
           <a:p>
@@ -23057,141 +23261,41 @@
                 <a:schemeClr val="dk1"/>
               </a:buClr>
               <a:buSzPts val="2400"/>
-              <a:buChar char="○"/>
+              <a:buFont typeface="Open Sans"/>
+              <a:buChar char="❏"/>
             </a:pPr>
+            <a:r>
+              <a:rPr lang="en-IN">
+                <a:solidFill>
+                  <a:schemeClr val="dk1"/>
+                </a:solidFill>
+                <a:latin typeface="Open Sans"/>
+                <a:ea typeface="Open Sans"/>
+                <a:cs typeface="Open Sans"/>
+                <a:sym typeface="Open Sans"/>
+              </a:rPr>
+              <a:t>Sell under-productive assets in order to rais</a:t>
+            </a:r>
             <a:r>
               <a:rPr lang="en-IN" sz="2400">
                 <a:solidFill>
                   <a:schemeClr val="dk1"/>
                 </a:solidFill>
-                <a:latin typeface="Calibri"/>
-                <a:ea typeface="Calibri"/>
-                <a:cs typeface="Calibri"/>
-                <a:sym typeface="Calibri"/>
+                <a:latin typeface="Open Sans"/>
+                <a:ea typeface="Open Sans"/>
+                <a:cs typeface="Open Sans"/>
+                <a:sym typeface="Open Sans"/>
               </a:rPr>
-              <a:t>Keep the company together.</a:t>
+              <a:t>e cash.</a:t>
             </a:r>
             <a:endParaRPr sz="2400">
               <a:solidFill>
                 <a:schemeClr val="dk1"/>
               </a:solidFill>
-              <a:latin typeface="Calibri"/>
-              <a:ea typeface="Calibri"/>
-              <a:cs typeface="Calibri"/>
-              <a:sym typeface="Calibri"/>
-            </a:endParaRPr>
-          </a:p>
-          <a:p>
-            <a:pPr indent="-381000" lvl="1" marL="914400" rtl="0" algn="l">
-              <a:lnSpc>
-                <a:spcPct val="90000"/>
-              </a:lnSpc>
-              <a:spcBef>
-                <a:spcPts val="500"/>
-              </a:spcBef>
-              <a:spcAft>
-                <a:spcPts val="0"/>
-              </a:spcAft>
-              <a:buClr>
-                <a:schemeClr val="dk1"/>
-              </a:buClr>
-              <a:buSzPts val="2400"/>
-              <a:buChar char="○"/>
-            </a:pPr>
-            <a:r>
-              <a:rPr lang="en-IN" sz="2400">
-                <a:solidFill>
-                  <a:schemeClr val="dk1"/>
-                </a:solidFill>
-                <a:latin typeface="Calibri"/>
-                <a:ea typeface="Calibri"/>
-                <a:cs typeface="Calibri"/>
-                <a:sym typeface="Calibri"/>
-              </a:rPr>
-              <a:t>Change the fundamental economic model.</a:t>
-            </a:r>
-            <a:endParaRPr sz="2400">
-              <a:solidFill>
-                <a:schemeClr val="dk1"/>
-              </a:solidFill>
-              <a:latin typeface="Calibri"/>
-              <a:ea typeface="Calibri"/>
-              <a:cs typeface="Calibri"/>
-              <a:sym typeface="Calibri"/>
-            </a:endParaRPr>
-          </a:p>
-          <a:p>
-            <a:pPr indent="-381000" lvl="1" marL="914400" rtl="0" algn="l">
-              <a:lnSpc>
-                <a:spcPct val="90000"/>
-              </a:lnSpc>
-              <a:spcBef>
-                <a:spcPts val="500"/>
-              </a:spcBef>
-              <a:spcAft>
-                <a:spcPts val="0"/>
-              </a:spcAft>
-              <a:buClr>
-                <a:schemeClr val="dk1"/>
-              </a:buClr>
-              <a:buSzPts val="2400"/>
-              <a:buChar char="○"/>
-            </a:pPr>
-            <a:r>
-              <a:rPr lang="en-IN" sz="2400">
-                <a:solidFill>
-                  <a:schemeClr val="dk1"/>
-                </a:solidFill>
-                <a:latin typeface="Calibri"/>
-                <a:ea typeface="Calibri"/>
-                <a:cs typeface="Calibri"/>
-                <a:sym typeface="Calibri"/>
-              </a:rPr>
-              <a:t>Re-engineer how was done.</a:t>
-            </a:r>
-            <a:endParaRPr sz="2400">
-              <a:solidFill>
-                <a:schemeClr val="dk1"/>
-              </a:solidFill>
-              <a:latin typeface="Calibri"/>
-              <a:ea typeface="Calibri"/>
-              <a:cs typeface="Calibri"/>
-              <a:sym typeface="Calibri"/>
-            </a:endParaRPr>
-          </a:p>
-          <a:p>
-            <a:pPr indent="-381000" lvl="1" marL="914400" rtl="0" algn="l">
-              <a:lnSpc>
-                <a:spcPct val="90000"/>
-              </a:lnSpc>
-              <a:spcBef>
-                <a:spcPts val="500"/>
-              </a:spcBef>
-              <a:spcAft>
-                <a:spcPts val="0"/>
-              </a:spcAft>
-              <a:buClr>
-                <a:schemeClr val="dk1"/>
-              </a:buClr>
-              <a:buSzPts val="2400"/>
-              <a:buChar char="○"/>
-            </a:pPr>
-            <a:r>
-              <a:rPr lang="en-IN" sz="2400">
-                <a:solidFill>
-                  <a:schemeClr val="dk1"/>
-                </a:solidFill>
-                <a:latin typeface="Calibri"/>
-                <a:ea typeface="Calibri"/>
-                <a:cs typeface="Calibri"/>
-                <a:sym typeface="Calibri"/>
-              </a:rPr>
-              <a:t>Sell under-productive assets in order to raise cash.</a:t>
-            </a:r>
-            <a:endParaRPr sz="2400">
-              <a:solidFill>
-                <a:schemeClr val="dk1"/>
-              </a:solidFill>
+              <a:latin typeface="Open Sans"/>
+              <a:ea typeface="Open Sans"/>
+              <a:cs typeface="Open Sans"/>
+              <a:sym typeface="Open Sans"/>
             </a:endParaRPr>
           </a:p>
         </p:txBody>
@@ -25436,7 +25540,7 @@
                 <a:cs typeface="Open Sans"/>
                 <a:sym typeface="Open Sans"/>
               </a:rPr>
-              <a:t>It has channels for customers are Social Media, TV Advertisements, Website and Communities. While, having one channel team for each division.</a:t>
+              <a:t>It has channels for customers are Social Media, TV Advertisements, Website and Communities. While, having the One Channel Team for each division.</a:t>
             </a:r>
             <a:endParaRPr sz="1800">
               <a:latin typeface="Open Sans"/>
